--- a/slides/19_ML_intro_discussion.pptx
+++ b/slides/19_ML_intro_discussion.pptx
@@ -11109,243 +11109,6 @@
           </a:p>
         </p:txBody>
       </p:sp>
-      <mc:AlternateContent xmlns:mc="http://schemas.openxmlformats.org/markup-compatibility/2006" xmlns:a14="http://schemas.microsoft.com/office/drawing/2010/main">
-        <mc:Choice Requires="a14">
-          <p:sp>
-            <p:nvSpPr>
-              <p:cNvPr id="6" name="TextBox 5">
-                <a:extLst>
-                  <a:ext uri="{FF2B5EF4-FFF2-40B4-BE49-F238E27FC236}">
-                    <a16:creationId xmlns:a16="http://schemas.microsoft.com/office/drawing/2014/main" id="{537770E4-E36E-E18F-5584-C9482A1E83E2}"/>
-                  </a:ext>
-                </a:extLst>
-              </p:cNvPr>
-              <p:cNvSpPr txBox="1"/>
-              <p:nvPr/>
-            </p:nvSpPr>
-            <p:spPr>
-              <a:xfrm>
-                <a:off x="6191865" y="618669"/>
-                <a:ext cx="3435503" cy="495328"/>
-              </a:xfrm>
-              <a:prstGeom prst="rect">
-                <a:avLst/>
-              </a:prstGeom>
-            </p:spPr>
-            <p:style>
-              <a:lnRef idx="3">
-                <a:schemeClr val="lt1"/>
-              </a:lnRef>
-              <a:fillRef idx="1">
-                <a:schemeClr val="accent3"/>
-              </a:fillRef>
-              <a:effectRef idx="1">
-                <a:schemeClr val="accent3"/>
-              </a:effectRef>
-              <a:fontRef idx="minor">
-                <a:schemeClr val="lt1"/>
-              </a:fontRef>
-            </p:style>
-            <p:txBody>
-              <a:bodyPr wrap="square" rtlCol="0">
-                <a:spAutoFit/>
-              </a:bodyPr>
-              <a:lstStyle/>
-              <a:p>
-                <a:pPr/>
-                <a14:m>
-                  <m:oMathPara xmlns:m="http://schemas.openxmlformats.org/officeDocument/2006/math">
-                    <m:oMathParaPr>
-                      <m:jc m:val="left"/>
-                    </m:oMathParaPr>
-                    <m:oMath xmlns:m="http://schemas.openxmlformats.org/officeDocument/2006/math">
-                      <m:r>
-                        <a:rPr lang="en-US" sz="2400" b="0" i="1" smtClean="0">
-                          <a:latin typeface="Cambria Math" panose="02040503050406030204" pitchFamily="18" charset="0"/>
-                        </a:rPr>
-                        <m:t>𝑣𝑎𝑙𝑢𝑒</m:t>
-                      </m:r>
-                      <m:d>
-                        <m:dPr>
-                          <m:ctrlPr>
-                            <a:rPr lang="en-US" sz="2400" b="0" i="1" smtClean="0">
-                              <a:latin typeface="Cambria Math" panose="02040503050406030204" pitchFamily="18" charset="0"/>
-                            </a:rPr>
-                          </m:ctrlPr>
-                        </m:dPr>
-                        <m:e>
-                          <m:r>
-                            <a:rPr lang="en-US" sz="2400" b="0" i="1" smtClean="0">
-                              <a:latin typeface="Cambria Math" panose="02040503050406030204" pitchFamily="18" charset="0"/>
-                            </a:rPr>
-                            <m:t>𝑠</m:t>
-                          </m:r>
-                        </m:e>
-                      </m:d>
-                      <m:r>
-                        <a:rPr lang="en-US" sz="2400" b="0" i="1" smtClean="0">
-                          <a:latin typeface="Cambria Math" panose="02040503050406030204" pitchFamily="18" charset="0"/>
-                        </a:rPr>
-                        <m:t>≈</m:t>
-                      </m:r>
-                      <m:sSub>
-                        <m:sSubPr>
-                          <m:ctrlPr>
-                            <a:rPr lang="en-US" sz="2400" b="0" i="1" smtClean="0">
-                              <a:latin typeface="Cambria Math" panose="02040503050406030204" pitchFamily="18" charset="0"/>
-                            </a:rPr>
-                          </m:ctrlPr>
-                        </m:sSubPr>
-                        <m:e>
-                          <m:r>
-                            <a:rPr lang="en-US" sz="2400" b="0" i="1" smtClean="0">
-                              <a:latin typeface="Cambria Math" panose="02040503050406030204" pitchFamily="18" charset="0"/>
-                            </a:rPr>
-                            <m:t>𝐸</m:t>
-                          </m:r>
-                        </m:e>
-                        <m:sub>
-                          <m:sSub>
-                            <m:sSubPr>
-                              <m:ctrlPr>
-                                <a:rPr lang="en-US" sz="2400" b="0" i="1" smtClean="0">
-                                  <a:latin typeface="Cambria Math" panose="02040503050406030204" pitchFamily="18" charset="0"/>
-                                </a:rPr>
-                              </m:ctrlPr>
-                            </m:sSubPr>
-                            <m:e>
-                              <m:r>
-                                <a:rPr lang="en-US" sz="2400" b="0" i="1" smtClean="0">
-                                  <a:latin typeface="Cambria Math" panose="02040503050406030204" pitchFamily="18" charset="0"/>
-                                </a:rPr>
-                                <m:t>𝜋</m:t>
-                              </m:r>
-                            </m:e>
-                            <m:sub>
-                              <m:r>
-                                <a:rPr lang="en-US" sz="2400" b="0" i="1" smtClean="0">
-                                  <a:latin typeface="Cambria Math" panose="02040503050406030204" pitchFamily="18" charset="0"/>
-                                </a:rPr>
-                                <m:t>𝑥</m:t>
-                              </m:r>
-                            </m:sub>
-                          </m:sSub>
-                          <m:r>
-                            <a:rPr lang="en-US" sz="2400" b="0" i="1" smtClean="0">
-                              <a:latin typeface="Cambria Math" panose="02040503050406030204" pitchFamily="18" charset="0"/>
-                            </a:rPr>
-                            <m:t>,</m:t>
-                          </m:r>
-                          <m:sSub>
-                            <m:sSubPr>
-                              <m:ctrlPr>
-                                <a:rPr lang="en-US" sz="2400" b="0" i="1" smtClean="0">
-                                  <a:latin typeface="Cambria Math" panose="02040503050406030204" pitchFamily="18" charset="0"/>
-                                </a:rPr>
-                              </m:ctrlPr>
-                            </m:sSubPr>
-                            <m:e>
-                              <m:r>
-                                <a:rPr lang="en-US" sz="2400" b="0" i="1" smtClean="0">
-                                  <a:latin typeface="Cambria Math" panose="02040503050406030204" pitchFamily="18" charset="0"/>
-                                </a:rPr>
-                                <m:t>𝜋</m:t>
-                              </m:r>
-                            </m:e>
-                            <m:sub>
-                              <m:r>
-                                <a:rPr lang="en-US" sz="2400" b="0" i="1" smtClean="0">
-                                  <a:latin typeface="Cambria Math" panose="02040503050406030204" pitchFamily="18" charset="0"/>
-                                </a:rPr>
-                                <m:t>𝑜</m:t>
-                              </m:r>
-                            </m:sub>
-                          </m:sSub>
-                        </m:sub>
-                      </m:sSub>
-                      <m:r>
-                        <a:rPr lang="en-US" sz="2400" b="0" i="1" smtClean="0">
-                          <a:latin typeface="Cambria Math" panose="02040503050406030204" pitchFamily="18" charset="0"/>
-                        </a:rPr>
-                        <m:t>[</m:t>
-                      </m:r>
-                      <m:r>
-                        <a:rPr lang="en-US" sz="2400" b="0" i="1" smtClean="0">
-                          <a:latin typeface="Cambria Math" panose="02040503050406030204" pitchFamily="18" charset="0"/>
-                        </a:rPr>
-                        <m:t>𝑈</m:t>
-                      </m:r>
-                      <m:r>
-                        <a:rPr lang="en-US" sz="2400" b="0" i="1" smtClean="0">
-                          <a:latin typeface="Cambria Math" panose="02040503050406030204" pitchFamily="18" charset="0"/>
-                        </a:rPr>
-                        <m:t>(</m:t>
-                      </m:r>
-                      <m:r>
-                        <a:rPr lang="en-US" sz="2400" b="0" i="1" smtClean="0">
-                          <a:latin typeface="Cambria Math" panose="02040503050406030204" pitchFamily="18" charset="0"/>
-                        </a:rPr>
-                        <m:t>𝑠</m:t>
-                      </m:r>
-                      <m:r>
-                        <a:rPr lang="en-US" sz="2400" b="0" i="1" smtClean="0">
-                          <a:latin typeface="Cambria Math" panose="02040503050406030204" pitchFamily="18" charset="0"/>
-                        </a:rPr>
-                        <m:t>)]</m:t>
-                      </m:r>
-                    </m:oMath>
-                  </m:oMathPara>
-                </a14:m>
-                <a:endParaRPr lang="en-US" sz="2800" dirty="0"/>
-              </a:p>
-            </p:txBody>
-          </p:sp>
-        </mc:Choice>
-        <mc:Fallback xmlns="">
-          <p:sp>
-            <p:nvSpPr>
-              <p:cNvPr id="6" name="TextBox 5">
-                <a:extLst>
-                  <a:ext uri="{FF2B5EF4-FFF2-40B4-BE49-F238E27FC236}">
-                    <a16:creationId xmlns:a16="http://schemas.microsoft.com/office/drawing/2014/main" id="{1EB3EB39-579A-D803-7312-1ADEF9DD2A4F}"/>
-                  </a:ext>
-                </a:extLst>
-              </p:cNvPr>
-              <p:cNvSpPr txBox="1">
-                <a:spLocks noRot="1" noChangeAspect="1" noMove="1" noResize="1" noEditPoints="1" noAdjustHandles="1" noChangeArrowheads="1" noChangeShapeType="1" noTextEdit="1"/>
-              </p:cNvSpPr>
-              <p:nvPr/>
-            </p:nvSpPr>
-            <p:spPr>
-              <a:xfrm>
-                <a:off x="6191865" y="618669"/>
-                <a:ext cx="3435503" cy="495328"/>
-              </a:xfrm>
-              <a:prstGeom prst="rect">
-                <a:avLst/>
-              </a:prstGeom>
-              <a:blipFill>
-                <a:blip r:embed="rId44"/>
-                <a:stretch>
-                  <a:fillRect l="-353" b="-6977"/>
-                </a:stretch>
-              </a:blipFill>
-            </p:spPr>
-            <p:txBody>
-              <a:bodyPr/>
-              <a:lstStyle/>
-              <a:p>
-                <a:r>
-                  <a:rPr lang="en-US">
-                    <a:noFill/>
-                  </a:rPr>
-                  <a:t> </a:t>
-                </a:r>
-              </a:p>
-            </p:txBody>
-          </p:sp>
-        </mc:Fallback>
-      </mc:AlternateContent>
       <p:grpSp>
         <p:nvGrpSpPr>
           <p:cNvPr id="57" name="Group 56">
@@ -11388,7 +11151,7 @@
           </p:grpSpPr>
           <mc:AlternateContent xmlns:mc="http://schemas.openxmlformats.org/markup-compatibility/2006" xmlns:p14="http://schemas.microsoft.com/office/powerpoint/2010/main">
             <mc:Choice Requires="p14">
-              <p:contentPart p14:bwMode="auto" r:id="rId45">
+              <p:contentPart p14:bwMode="auto" r:id="rId44">
                 <p14:nvContentPartPr>
                   <p14:cNvPr id="8" name="Ink 7">
                     <a:extLst>
@@ -13318,6 +13081,244 @@
           </a:p>
         </p:txBody>
       </p:sp>
+      <mc:AlternateContent xmlns:mc="http://schemas.openxmlformats.org/markup-compatibility/2006">
+        <mc:Choice xmlns:a14="http://schemas.microsoft.com/office/drawing/2010/main" Requires="a14">
+          <p:sp>
+            <p:nvSpPr>
+              <p:cNvPr id="17" name="TextBox 16">
+                <a:extLst>
+                  <a:ext uri="{FF2B5EF4-FFF2-40B4-BE49-F238E27FC236}">
+                    <a16:creationId xmlns:a16="http://schemas.microsoft.com/office/drawing/2014/main" id="{A2BAF78B-BFBB-B5A9-8DF7-24F7B18D1D0F}"/>
+                  </a:ext>
+                </a:extLst>
+              </p:cNvPr>
+              <p:cNvSpPr txBox="1"/>
+              <p:nvPr/>
+            </p:nvSpPr>
+            <p:spPr>
+              <a:xfrm>
+                <a:off x="6185500" y="636699"/>
+                <a:ext cx="3435503" cy="495328"/>
+              </a:xfrm>
+              <a:prstGeom prst="rect">
+                <a:avLst/>
+              </a:prstGeom>
+            </p:spPr>
+            <p:style>
+              <a:lnRef idx="3">
+                <a:schemeClr val="lt1"/>
+              </a:lnRef>
+              <a:fillRef idx="1">
+                <a:schemeClr val="accent3"/>
+              </a:fillRef>
+              <a:effectRef idx="1">
+                <a:schemeClr val="accent3"/>
+              </a:effectRef>
+              <a:fontRef idx="minor">
+                <a:schemeClr val="lt1"/>
+              </a:fontRef>
+            </p:style>
+            <p:txBody>
+              <a:bodyPr wrap="square" rtlCol="0">
+                <a:spAutoFit/>
+              </a:bodyPr>
+              <a:lstStyle/>
+              <a:p>
+                <a:pPr/>
+                <a14:m>
+                  <m:oMathPara xmlns:m="http://schemas.openxmlformats.org/officeDocument/2006/math">
+                    <m:oMathParaPr>
+                      <m:jc m:val="left"/>
+                    </m:oMathParaPr>
+                    <m:oMath xmlns:m="http://schemas.openxmlformats.org/officeDocument/2006/math">
+                      <m:r>
+                        <a:rPr lang="en-US" sz="2400" b="0" i="1" smtClean="0">
+                          <a:latin typeface="Cambria Math" panose="02040503050406030204" pitchFamily="18" charset="0"/>
+                        </a:rPr>
+                        <m:t>𝑣𝑎𝑙𝑢𝑒</m:t>
+                      </m:r>
+                      <m:d>
+                        <m:dPr>
+                          <m:ctrlPr>
+                            <a:rPr lang="en-US" sz="2400" b="0" i="1" smtClean="0">
+                              <a:latin typeface="Cambria Math" panose="02040503050406030204" pitchFamily="18" charset="0"/>
+                            </a:rPr>
+                          </m:ctrlPr>
+                        </m:dPr>
+                        <m:e>
+                          <m:r>
+                            <a:rPr lang="en-US" sz="2400" b="0" i="1" smtClean="0">
+                              <a:latin typeface="Cambria Math" panose="02040503050406030204" pitchFamily="18" charset="0"/>
+                            </a:rPr>
+                            <m:t>𝑠</m:t>
+                          </m:r>
+                        </m:e>
+                      </m:d>
+                      <m:r>
+                        <a:rPr lang="en-US" sz="2400" b="0" i="1" smtClean="0">
+                          <a:latin typeface="Cambria Math" panose="02040503050406030204" pitchFamily="18" charset="0"/>
+                        </a:rPr>
+                        <m:t>≈</m:t>
+                      </m:r>
+                      <m:sSub>
+                        <m:sSubPr>
+                          <m:ctrlPr>
+                            <a:rPr lang="en-US" sz="2400" b="0" i="1" smtClean="0">
+                              <a:latin typeface="Cambria Math" panose="02040503050406030204" pitchFamily="18" charset="0"/>
+                            </a:rPr>
+                          </m:ctrlPr>
+                        </m:sSubPr>
+                        <m:e>
+                          <m:r>
+                            <a:rPr lang="en-US" sz="2400" b="0" i="1" smtClean="0">
+                              <a:latin typeface="Cambria Math" panose="02040503050406030204" pitchFamily="18" charset="0"/>
+                              <a:ea typeface="Cambria Math" panose="02040503050406030204" pitchFamily="18" charset="0"/>
+                            </a:rPr>
+                            <m:t>𝔼</m:t>
+                          </m:r>
+                        </m:e>
+                        <m:sub>
+                          <m:sSub>
+                            <m:sSubPr>
+                              <m:ctrlPr>
+                                <a:rPr lang="en-US" sz="2400" b="0" i="1" smtClean="0">
+                                  <a:latin typeface="Cambria Math" panose="02040503050406030204" pitchFamily="18" charset="0"/>
+                                </a:rPr>
+                              </m:ctrlPr>
+                            </m:sSubPr>
+                            <m:e>
+                              <m:r>
+                                <a:rPr lang="en-US" sz="2400" b="0" i="1" smtClean="0">
+                                  <a:latin typeface="Cambria Math" panose="02040503050406030204" pitchFamily="18" charset="0"/>
+                                </a:rPr>
+                                <m:t>𝜋</m:t>
+                              </m:r>
+                            </m:e>
+                            <m:sub>
+                              <m:r>
+                                <a:rPr lang="en-US" sz="2400" b="0" i="1" smtClean="0">
+                                  <a:latin typeface="Cambria Math" panose="02040503050406030204" pitchFamily="18" charset="0"/>
+                                </a:rPr>
+                                <m:t>𝑥</m:t>
+                              </m:r>
+                            </m:sub>
+                          </m:sSub>
+                          <m:r>
+                            <a:rPr lang="en-US" sz="2400" b="0" i="1" smtClean="0">
+                              <a:latin typeface="Cambria Math" panose="02040503050406030204" pitchFamily="18" charset="0"/>
+                            </a:rPr>
+                            <m:t>,</m:t>
+                          </m:r>
+                          <m:sSub>
+                            <m:sSubPr>
+                              <m:ctrlPr>
+                                <a:rPr lang="en-US" sz="2400" b="0" i="1" smtClean="0">
+                                  <a:latin typeface="Cambria Math" panose="02040503050406030204" pitchFamily="18" charset="0"/>
+                                </a:rPr>
+                              </m:ctrlPr>
+                            </m:sSubPr>
+                            <m:e>
+                              <m:r>
+                                <a:rPr lang="en-US" sz="2400" b="0" i="1" smtClean="0">
+                                  <a:latin typeface="Cambria Math" panose="02040503050406030204" pitchFamily="18" charset="0"/>
+                                </a:rPr>
+                                <m:t>𝜋</m:t>
+                              </m:r>
+                            </m:e>
+                            <m:sub>
+                              <m:r>
+                                <a:rPr lang="en-US" sz="2400" b="0" i="1" smtClean="0">
+                                  <a:latin typeface="Cambria Math" panose="02040503050406030204" pitchFamily="18" charset="0"/>
+                                </a:rPr>
+                                <m:t>𝑜</m:t>
+                              </m:r>
+                            </m:sub>
+                          </m:sSub>
+                        </m:sub>
+                      </m:sSub>
+                      <m:r>
+                        <a:rPr lang="en-US" sz="2400" b="0" i="1" smtClean="0">
+                          <a:latin typeface="Cambria Math" panose="02040503050406030204" pitchFamily="18" charset="0"/>
+                        </a:rPr>
+                        <m:t>[</m:t>
+                      </m:r>
+                      <m:r>
+                        <a:rPr lang="en-US" sz="2400" b="0" i="1" smtClean="0">
+                          <a:latin typeface="Cambria Math" panose="02040503050406030204" pitchFamily="18" charset="0"/>
+                        </a:rPr>
+                        <m:t>𝑈</m:t>
+                      </m:r>
+                      <m:r>
+                        <a:rPr lang="en-US" sz="2400" b="0" i="1" smtClean="0">
+                          <a:latin typeface="Cambria Math" panose="02040503050406030204" pitchFamily="18" charset="0"/>
+                        </a:rPr>
+                        <m:t>(</m:t>
+                      </m:r>
+                      <m:r>
+                        <a:rPr lang="en-US" sz="2400" b="0" i="1" smtClean="0">
+                          <a:latin typeface="Cambria Math" panose="02040503050406030204" pitchFamily="18" charset="0"/>
+                        </a:rPr>
+                        <m:t>𝑠</m:t>
+                      </m:r>
+                      <m:r>
+                        <a:rPr lang="en-US" sz="2400" b="0" i="1" smtClean="0">
+                          <a:latin typeface="Cambria Math" panose="02040503050406030204" pitchFamily="18" charset="0"/>
+                        </a:rPr>
+                        <m:t>)]</m:t>
+                      </m:r>
+                    </m:oMath>
+                  </m:oMathPara>
+                </a14:m>
+                <a:endParaRPr lang="en-US" sz="2800" dirty="0"/>
+              </a:p>
+            </p:txBody>
+          </p:sp>
+        </mc:Choice>
+        <mc:Fallback>
+          <p:sp>
+            <p:nvSpPr>
+              <p:cNvPr id="17" name="TextBox 16">
+                <a:extLst>
+                  <a:ext uri="{FF2B5EF4-FFF2-40B4-BE49-F238E27FC236}">
+                    <a16:creationId xmlns:a16="http://schemas.microsoft.com/office/drawing/2014/main" id="{A2BAF78B-BFBB-B5A9-8DF7-24F7B18D1D0F}"/>
+                  </a:ext>
+                </a:extLst>
+              </p:cNvPr>
+              <p:cNvSpPr txBox="1">
+                <a:spLocks noRot="1" noChangeAspect="1" noMove="1" noResize="1" noEditPoints="1" noAdjustHandles="1" noChangeArrowheads="1" noChangeShapeType="1" noTextEdit="1"/>
+              </p:cNvSpPr>
+              <p:nvPr/>
+            </p:nvSpPr>
+            <p:spPr>
+              <a:xfrm>
+                <a:off x="6185500" y="636699"/>
+                <a:ext cx="3435503" cy="495328"/>
+              </a:xfrm>
+              <a:prstGeom prst="rect">
+                <a:avLst/>
+              </a:prstGeom>
+              <a:blipFill>
+                <a:blip r:embed="rId179"/>
+                <a:stretch>
+                  <a:fillRect l="-353" b="-6977"/>
+                </a:stretch>
+              </a:blipFill>
+            </p:spPr>
+            <p:txBody>
+              <a:bodyPr/>
+              <a:lstStyle/>
+              <a:p>
+                <a:r>
+                  <a:rPr lang="en-US">
+                    <a:noFill/>
+                  </a:rPr>
+                  <a:t> </a:t>
+                </a:r>
+              </a:p>
+            </p:txBody>
+          </p:sp>
+        </mc:Fallback>
+      </mc:AlternateContent>
     </p:spTree>
     <p:extLst>
       <p:ext uri="{BB962C8B-B14F-4D97-AF65-F5344CB8AC3E}">
@@ -19074,243 +19075,6 @@
           </a:p>
         </p:txBody>
       </p:sp>
-      <mc:AlternateContent xmlns:mc="http://schemas.openxmlformats.org/markup-compatibility/2006" xmlns:a14="http://schemas.microsoft.com/office/drawing/2010/main">
-        <mc:Choice Requires="a14">
-          <p:sp>
-            <p:nvSpPr>
-              <p:cNvPr id="6" name="TextBox 5">
-                <a:extLst>
-                  <a:ext uri="{FF2B5EF4-FFF2-40B4-BE49-F238E27FC236}">
-                    <a16:creationId xmlns:a16="http://schemas.microsoft.com/office/drawing/2014/main" id="{49476F1E-9327-2E22-832B-7176D1CF643A}"/>
-                  </a:ext>
-                </a:extLst>
-              </p:cNvPr>
-              <p:cNvSpPr txBox="1"/>
-              <p:nvPr/>
-            </p:nvSpPr>
-            <p:spPr>
-              <a:xfrm>
-                <a:off x="6255768" y="659246"/>
-                <a:ext cx="3435503" cy="495328"/>
-              </a:xfrm>
-              <a:prstGeom prst="rect">
-                <a:avLst/>
-              </a:prstGeom>
-            </p:spPr>
-            <p:style>
-              <a:lnRef idx="3">
-                <a:schemeClr val="lt1"/>
-              </a:lnRef>
-              <a:fillRef idx="1">
-                <a:schemeClr val="accent3"/>
-              </a:fillRef>
-              <a:effectRef idx="1">
-                <a:schemeClr val="accent3"/>
-              </a:effectRef>
-              <a:fontRef idx="minor">
-                <a:schemeClr val="lt1"/>
-              </a:fontRef>
-            </p:style>
-            <p:txBody>
-              <a:bodyPr wrap="square" rtlCol="0">
-                <a:spAutoFit/>
-              </a:bodyPr>
-              <a:lstStyle/>
-              <a:p>
-                <a:pPr/>
-                <a14:m>
-                  <m:oMathPara xmlns:m="http://schemas.openxmlformats.org/officeDocument/2006/math">
-                    <m:oMathParaPr>
-                      <m:jc m:val="left"/>
-                    </m:oMathParaPr>
-                    <m:oMath xmlns:m="http://schemas.openxmlformats.org/officeDocument/2006/math">
-                      <m:r>
-                        <a:rPr lang="en-US" sz="2400" b="0" i="1" smtClean="0">
-                          <a:latin typeface="Cambria Math" panose="02040503050406030204" pitchFamily="18" charset="0"/>
-                        </a:rPr>
-                        <m:t>𝑣𝑎𝑙𝑢𝑒</m:t>
-                      </m:r>
-                      <m:d>
-                        <m:dPr>
-                          <m:ctrlPr>
-                            <a:rPr lang="en-US" sz="2400" b="0" i="1" smtClean="0">
-                              <a:latin typeface="Cambria Math" panose="02040503050406030204" pitchFamily="18" charset="0"/>
-                            </a:rPr>
-                          </m:ctrlPr>
-                        </m:dPr>
-                        <m:e>
-                          <m:r>
-                            <a:rPr lang="en-US" sz="2400" b="0" i="1" smtClean="0">
-                              <a:latin typeface="Cambria Math" panose="02040503050406030204" pitchFamily="18" charset="0"/>
-                            </a:rPr>
-                            <m:t>𝑠</m:t>
-                          </m:r>
-                        </m:e>
-                      </m:d>
-                      <m:r>
-                        <a:rPr lang="en-US" sz="2400" b="0" i="1" smtClean="0">
-                          <a:latin typeface="Cambria Math" panose="02040503050406030204" pitchFamily="18" charset="0"/>
-                        </a:rPr>
-                        <m:t>≈</m:t>
-                      </m:r>
-                      <m:sSub>
-                        <m:sSubPr>
-                          <m:ctrlPr>
-                            <a:rPr lang="en-US" sz="2400" b="0" i="1" smtClean="0">
-                              <a:latin typeface="Cambria Math" panose="02040503050406030204" pitchFamily="18" charset="0"/>
-                            </a:rPr>
-                          </m:ctrlPr>
-                        </m:sSubPr>
-                        <m:e>
-                          <m:r>
-                            <a:rPr lang="en-US" sz="2400" b="0" i="1" smtClean="0">
-                              <a:latin typeface="Cambria Math" panose="02040503050406030204" pitchFamily="18" charset="0"/>
-                            </a:rPr>
-                            <m:t>𝐸</m:t>
-                          </m:r>
-                        </m:e>
-                        <m:sub>
-                          <m:sSub>
-                            <m:sSubPr>
-                              <m:ctrlPr>
-                                <a:rPr lang="en-US" sz="2400" b="0" i="1" smtClean="0">
-                                  <a:latin typeface="Cambria Math" panose="02040503050406030204" pitchFamily="18" charset="0"/>
-                                </a:rPr>
-                              </m:ctrlPr>
-                            </m:sSubPr>
-                            <m:e>
-                              <m:r>
-                                <a:rPr lang="en-US" sz="2400" b="0" i="1" smtClean="0">
-                                  <a:latin typeface="Cambria Math" panose="02040503050406030204" pitchFamily="18" charset="0"/>
-                                </a:rPr>
-                                <m:t>𝜋</m:t>
-                              </m:r>
-                            </m:e>
-                            <m:sub>
-                              <m:r>
-                                <a:rPr lang="en-US" sz="2400" b="0" i="1" smtClean="0">
-                                  <a:latin typeface="Cambria Math" panose="02040503050406030204" pitchFamily="18" charset="0"/>
-                                </a:rPr>
-                                <m:t>𝑥</m:t>
-                              </m:r>
-                            </m:sub>
-                          </m:sSub>
-                          <m:r>
-                            <a:rPr lang="en-US" sz="2400" b="0" i="1" smtClean="0">
-                              <a:latin typeface="Cambria Math" panose="02040503050406030204" pitchFamily="18" charset="0"/>
-                            </a:rPr>
-                            <m:t>,</m:t>
-                          </m:r>
-                          <m:sSub>
-                            <m:sSubPr>
-                              <m:ctrlPr>
-                                <a:rPr lang="en-US" sz="2400" b="0" i="1" smtClean="0">
-                                  <a:latin typeface="Cambria Math" panose="02040503050406030204" pitchFamily="18" charset="0"/>
-                                </a:rPr>
-                              </m:ctrlPr>
-                            </m:sSubPr>
-                            <m:e>
-                              <m:r>
-                                <a:rPr lang="en-US" sz="2400" b="0" i="1" smtClean="0">
-                                  <a:latin typeface="Cambria Math" panose="02040503050406030204" pitchFamily="18" charset="0"/>
-                                </a:rPr>
-                                <m:t>𝜋</m:t>
-                              </m:r>
-                            </m:e>
-                            <m:sub>
-                              <m:r>
-                                <a:rPr lang="en-US" sz="2400" b="0" i="1" smtClean="0">
-                                  <a:latin typeface="Cambria Math" panose="02040503050406030204" pitchFamily="18" charset="0"/>
-                                </a:rPr>
-                                <m:t>𝑜</m:t>
-                              </m:r>
-                            </m:sub>
-                          </m:sSub>
-                        </m:sub>
-                      </m:sSub>
-                      <m:r>
-                        <a:rPr lang="en-US" sz="2400" b="0" i="1" smtClean="0">
-                          <a:latin typeface="Cambria Math" panose="02040503050406030204" pitchFamily="18" charset="0"/>
-                        </a:rPr>
-                        <m:t>[</m:t>
-                      </m:r>
-                      <m:r>
-                        <a:rPr lang="en-US" sz="2400" b="0" i="1" smtClean="0">
-                          <a:latin typeface="Cambria Math" panose="02040503050406030204" pitchFamily="18" charset="0"/>
-                        </a:rPr>
-                        <m:t>𝑈</m:t>
-                      </m:r>
-                      <m:r>
-                        <a:rPr lang="en-US" sz="2400" b="0" i="1" smtClean="0">
-                          <a:latin typeface="Cambria Math" panose="02040503050406030204" pitchFamily="18" charset="0"/>
-                        </a:rPr>
-                        <m:t>(</m:t>
-                      </m:r>
-                      <m:r>
-                        <a:rPr lang="en-US" sz="2400" b="0" i="1" smtClean="0">
-                          <a:latin typeface="Cambria Math" panose="02040503050406030204" pitchFamily="18" charset="0"/>
-                        </a:rPr>
-                        <m:t>𝑠</m:t>
-                      </m:r>
-                      <m:r>
-                        <a:rPr lang="en-US" sz="2400" b="0" i="1" smtClean="0">
-                          <a:latin typeface="Cambria Math" panose="02040503050406030204" pitchFamily="18" charset="0"/>
-                        </a:rPr>
-                        <m:t>)]</m:t>
-                      </m:r>
-                    </m:oMath>
-                  </m:oMathPara>
-                </a14:m>
-                <a:endParaRPr lang="en-US" sz="2800" dirty="0"/>
-              </a:p>
-            </p:txBody>
-          </p:sp>
-        </mc:Choice>
-        <mc:Fallback xmlns="">
-          <p:sp>
-            <p:nvSpPr>
-              <p:cNvPr id="6" name="TextBox 5">
-                <a:extLst>
-                  <a:ext uri="{FF2B5EF4-FFF2-40B4-BE49-F238E27FC236}">
-                    <a16:creationId xmlns:a16="http://schemas.microsoft.com/office/drawing/2014/main" id="{CBDA3EC6-8E9F-69D8-EFE2-02C62ECADD1F}"/>
-                  </a:ext>
-                </a:extLst>
-              </p:cNvPr>
-              <p:cNvSpPr txBox="1">
-                <a:spLocks noRot="1" noChangeAspect="1" noMove="1" noResize="1" noEditPoints="1" noAdjustHandles="1" noChangeArrowheads="1" noChangeShapeType="1" noTextEdit="1"/>
-              </p:cNvSpPr>
-              <p:nvPr/>
-            </p:nvSpPr>
-            <p:spPr>
-              <a:xfrm>
-                <a:off x="6255768" y="659246"/>
-                <a:ext cx="3435503" cy="495328"/>
-              </a:xfrm>
-              <a:prstGeom prst="rect">
-                <a:avLst/>
-              </a:prstGeom>
-              <a:blipFill>
-                <a:blip r:embed="rId44"/>
-                <a:stretch>
-                  <a:fillRect l="-176" b="-8235"/>
-                </a:stretch>
-              </a:blipFill>
-            </p:spPr>
-            <p:txBody>
-              <a:bodyPr/>
-              <a:lstStyle/>
-              <a:p>
-                <a:r>
-                  <a:rPr lang="en-US">
-                    <a:noFill/>
-                  </a:rPr>
-                  <a:t> </a:t>
-                </a:r>
-              </a:p>
-            </p:txBody>
-          </p:sp>
-        </mc:Fallback>
-      </mc:AlternateContent>
       <p:sp>
         <p:nvSpPr>
           <p:cNvPr id="148" name="TextBox 147">
@@ -19566,7 +19330,7 @@
         </p:grpSpPr>
         <mc:AlternateContent xmlns:mc="http://schemas.openxmlformats.org/markup-compatibility/2006" xmlns:p14="http://schemas.microsoft.com/office/powerpoint/2010/main">
           <mc:Choice Requires="p14">
-            <p:contentPart p14:bwMode="auto" r:id="rId45">
+            <p:contentPart p14:bwMode="auto" r:id="rId44">
               <p14:nvContentPartPr>
                 <p14:cNvPr id="154" name="Ink 153">
                   <a:extLst>
@@ -20144,6 +19908,244 @@
           </a:p>
         </p:txBody>
       </p:sp>
+      <mc:AlternateContent xmlns:mc="http://schemas.openxmlformats.org/markup-compatibility/2006">
+        <mc:Choice xmlns:a14="http://schemas.microsoft.com/office/drawing/2010/main" Requires="a14">
+          <p:sp>
+            <p:nvSpPr>
+              <p:cNvPr id="7" name="TextBox 6">
+                <a:extLst>
+                  <a:ext uri="{FF2B5EF4-FFF2-40B4-BE49-F238E27FC236}">
+                    <a16:creationId xmlns:a16="http://schemas.microsoft.com/office/drawing/2014/main" id="{45CFC34C-4E85-202A-4C40-3D44B4F3E534}"/>
+                  </a:ext>
+                </a:extLst>
+              </p:cNvPr>
+              <p:cNvSpPr txBox="1"/>
+              <p:nvPr/>
+            </p:nvSpPr>
+            <p:spPr>
+              <a:xfrm>
+                <a:off x="6227441" y="548770"/>
+                <a:ext cx="3435503" cy="495328"/>
+              </a:xfrm>
+              <a:prstGeom prst="rect">
+                <a:avLst/>
+              </a:prstGeom>
+            </p:spPr>
+            <p:style>
+              <a:lnRef idx="3">
+                <a:schemeClr val="lt1"/>
+              </a:lnRef>
+              <a:fillRef idx="1">
+                <a:schemeClr val="accent3"/>
+              </a:fillRef>
+              <a:effectRef idx="1">
+                <a:schemeClr val="accent3"/>
+              </a:effectRef>
+              <a:fontRef idx="minor">
+                <a:schemeClr val="lt1"/>
+              </a:fontRef>
+            </p:style>
+            <p:txBody>
+              <a:bodyPr wrap="square" rtlCol="0">
+                <a:spAutoFit/>
+              </a:bodyPr>
+              <a:lstStyle/>
+              <a:p>
+                <a:pPr/>
+                <a14:m>
+                  <m:oMathPara xmlns:m="http://schemas.openxmlformats.org/officeDocument/2006/math">
+                    <m:oMathParaPr>
+                      <m:jc m:val="left"/>
+                    </m:oMathParaPr>
+                    <m:oMath xmlns:m="http://schemas.openxmlformats.org/officeDocument/2006/math">
+                      <m:r>
+                        <a:rPr lang="en-US" sz="2400" b="0" i="1" smtClean="0">
+                          <a:latin typeface="Cambria Math" panose="02040503050406030204" pitchFamily="18" charset="0"/>
+                        </a:rPr>
+                        <m:t>𝑣𝑎𝑙𝑢𝑒</m:t>
+                      </m:r>
+                      <m:d>
+                        <m:dPr>
+                          <m:ctrlPr>
+                            <a:rPr lang="en-US" sz="2400" b="0" i="1" smtClean="0">
+                              <a:latin typeface="Cambria Math" panose="02040503050406030204" pitchFamily="18" charset="0"/>
+                            </a:rPr>
+                          </m:ctrlPr>
+                        </m:dPr>
+                        <m:e>
+                          <m:r>
+                            <a:rPr lang="en-US" sz="2400" b="0" i="1" smtClean="0">
+                              <a:latin typeface="Cambria Math" panose="02040503050406030204" pitchFamily="18" charset="0"/>
+                            </a:rPr>
+                            <m:t>𝑠</m:t>
+                          </m:r>
+                        </m:e>
+                      </m:d>
+                      <m:r>
+                        <a:rPr lang="en-US" sz="2400" b="0" i="1" smtClean="0">
+                          <a:latin typeface="Cambria Math" panose="02040503050406030204" pitchFamily="18" charset="0"/>
+                        </a:rPr>
+                        <m:t>≈</m:t>
+                      </m:r>
+                      <m:sSub>
+                        <m:sSubPr>
+                          <m:ctrlPr>
+                            <a:rPr lang="en-US" sz="2400" b="0" i="1" smtClean="0">
+                              <a:latin typeface="Cambria Math" panose="02040503050406030204" pitchFamily="18" charset="0"/>
+                            </a:rPr>
+                          </m:ctrlPr>
+                        </m:sSubPr>
+                        <m:e>
+                          <m:r>
+                            <a:rPr lang="en-US" sz="2400" b="0" i="1" smtClean="0">
+                              <a:latin typeface="Cambria Math" panose="02040503050406030204" pitchFamily="18" charset="0"/>
+                              <a:ea typeface="Cambria Math" panose="02040503050406030204" pitchFamily="18" charset="0"/>
+                            </a:rPr>
+                            <m:t>𝔼</m:t>
+                          </m:r>
+                        </m:e>
+                        <m:sub>
+                          <m:sSub>
+                            <m:sSubPr>
+                              <m:ctrlPr>
+                                <a:rPr lang="en-US" sz="2400" b="0" i="1" smtClean="0">
+                                  <a:latin typeface="Cambria Math" panose="02040503050406030204" pitchFamily="18" charset="0"/>
+                                </a:rPr>
+                              </m:ctrlPr>
+                            </m:sSubPr>
+                            <m:e>
+                              <m:r>
+                                <a:rPr lang="en-US" sz="2400" b="0" i="1" smtClean="0">
+                                  <a:latin typeface="Cambria Math" panose="02040503050406030204" pitchFamily="18" charset="0"/>
+                                </a:rPr>
+                                <m:t>𝜋</m:t>
+                              </m:r>
+                            </m:e>
+                            <m:sub>
+                              <m:r>
+                                <a:rPr lang="en-US" sz="2400" b="0" i="1" smtClean="0">
+                                  <a:latin typeface="Cambria Math" panose="02040503050406030204" pitchFamily="18" charset="0"/>
+                                </a:rPr>
+                                <m:t>𝑥</m:t>
+                              </m:r>
+                            </m:sub>
+                          </m:sSub>
+                          <m:r>
+                            <a:rPr lang="en-US" sz="2400" b="0" i="1" smtClean="0">
+                              <a:latin typeface="Cambria Math" panose="02040503050406030204" pitchFamily="18" charset="0"/>
+                            </a:rPr>
+                            <m:t>,</m:t>
+                          </m:r>
+                          <m:sSub>
+                            <m:sSubPr>
+                              <m:ctrlPr>
+                                <a:rPr lang="en-US" sz="2400" b="0" i="1" smtClean="0">
+                                  <a:latin typeface="Cambria Math" panose="02040503050406030204" pitchFamily="18" charset="0"/>
+                                </a:rPr>
+                              </m:ctrlPr>
+                            </m:sSubPr>
+                            <m:e>
+                              <m:r>
+                                <a:rPr lang="en-US" sz="2400" b="0" i="1" smtClean="0">
+                                  <a:latin typeface="Cambria Math" panose="02040503050406030204" pitchFamily="18" charset="0"/>
+                                </a:rPr>
+                                <m:t>𝜋</m:t>
+                              </m:r>
+                            </m:e>
+                            <m:sub>
+                              <m:r>
+                                <a:rPr lang="en-US" sz="2400" b="0" i="1" smtClean="0">
+                                  <a:latin typeface="Cambria Math" panose="02040503050406030204" pitchFamily="18" charset="0"/>
+                                </a:rPr>
+                                <m:t>𝑜</m:t>
+                              </m:r>
+                            </m:sub>
+                          </m:sSub>
+                        </m:sub>
+                      </m:sSub>
+                      <m:r>
+                        <a:rPr lang="en-US" sz="2400" b="0" i="1" smtClean="0">
+                          <a:latin typeface="Cambria Math" panose="02040503050406030204" pitchFamily="18" charset="0"/>
+                        </a:rPr>
+                        <m:t>[</m:t>
+                      </m:r>
+                      <m:r>
+                        <a:rPr lang="en-US" sz="2400" b="0" i="1" smtClean="0">
+                          <a:latin typeface="Cambria Math" panose="02040503050406030204" pitchFamily="18" charset="0"/>
+                        </a:rPr>
+                        <m:t>𝑈</m:t>
+                      </m:r>
+                      <m:r>
+                        <a:rPr lang="en-US" sz="2400" b="0" i="1" smtClean="0">
+                          <a:latin typeface="Cambria Math" panose="02040503050406030204" pitchFamily="18" charset="0"/>
+                        </a:rPr>
+                        <m:t>(</m:t>
+                      </m:r>
+                      <m:r>
+                        <a:rPr lang="en-US" sz="2400" b="0" i="1" smtClean="0">
+                          <a:latin typeface="Cambria Math" panose="02040503050406030204" pitchFamily="18" charset="0"/>
+                        </a:rPr>
+                        <m:t>𝑠</m:t>
+                      </m:r>
+                      <m:r>
+                        <a:rPr lang="en-US" sz="2400" b="0" i="1" smtClean="0">
+                          <a:latin typeface="Cambria Math" panose="02040503050406030204" pitchFamily="18" charset="0"/>
+                        </a:rPr>
+                        <m:t>)]</m:t>
+                      </m:r>
+                    </m:oMath>
+                  </m:oMathPara>
+                </a14:m>
+                <a:endParaRPr lang="en-US" sz="2800" dirty="0"/>
+              </a:p>
+            </p:txBody>
+          </p:sp>
+        </mc:Choice>
+        <mc:Fallback>
+          <p:sp>
+            <p:nvSpPr>
+              <p:cNvPr id="7" name="TextBox 6">
+                <a:extLst>
+                  <a:ext uri="{FF2B5EF4-FFF2-40B4-BE49-F238E27FC236}">
+                    <a16:creationId xmlns:a16="http://schemas.microsoft.com/office/drawing/2014/main" id="{45CFC34C-4E85-202A-4C40-3D44B4F3E534}"/>
+                  </a:ext>
+                </a:extLst>
+              </p:cNvPr>
+              <p:cNvSpPr txBox="1">
+                <a:spLocks noRot="1" noChangeAspect="1" noMove="1" noResize="1" noEditPoints="1" noAdjustHandles="1" noChangeArrowheads="1" noChangeShapeType="1" noTextEdit="1"/>
+              </p:cNvSpPr>
+              <p:nvPr/>
+            </p:nvSpPr>
+            <p:spPr>
+              <a:xfrm>
+                <a:off x="6227441" y="548770"/>
+                <a:ext cx="3435503" cy="495328"/>
+              </a:xfrm>
+              <a:prstGeom prst="rect">
+                <a:avLst/>
+              </a:prstGeom>
+              <a:blipFill>
+                <a:blip r:embed="rId210"/>
+                <a:stretch>
+                  <a:fillRect l="-353" b="-8235"/>
+                </a:stretch>
+              </a:blipFill>
+            </p:spPr>
+            <p:txBody>
+              <a:bodyPr/>
+              <a:lstStyle/>
+              <a:p>
+                <a:r>
+                  <a:rPr lang="en-US">
+                    <a:noFill/>
+                  </a:rPr>
+                  <a:t> </a:t>
+                </a:r>
+              </a:p>
+            </p:txBody>
+          </p:sp>
+        </mc:Fallback>
+      </mc:AlternateContent>
     </p:spTree>
     <p:extLst>
       <p:ext uri="{BB962C8B-B14F-4D97-AF65-F5344CB8AC3E}">
@@ -20492,15 +20494,23 @@
           <a:p>
             <a:pPr lvl="1"/>
             <a:r>
+              <a:rPr lang="en-US" b="1" dirty="0"/>
+              <a:t>Model-based RL</a:t>
+            </a:r>
+            <a:r>
               <a:rPr lang="en-US" dirty="0"/>
-              <a:t>Model-based RL: Uses a complete probabilistic model of the environment.</a:t>
+              <a:t>: Uses a complete probabilistic model of the environment.</a:t>
             </a:r>
           </a:p>
           <a:p>
             <a:pPr lvl="1"/>
             <a:r>
+              <a:rPr lang="en-US" b="1" dirty="0"/>
+              <a:t>Model-free RL</a:t>
+            </a:r>
+            <a:r>
               <a:rPr lang="en-US" dirty="0"/>
-              <a:t>Model-free RL: Learns from interactions with the environment.</a:t>
+              <a:t>: Learns from interactions with the environment.</a:t>
             </a:r>
           </a:p>
           <a:p>
@@ -28699,8 +28709,8 @@
           </a:p>
         </p:txBody>
       </p:sp>
-      <mc:AlternateContent xmlns:mc="http://schemas.openxmlformats.org/markup-compatibility/2006" xmlns:a14="http://schemas.microsoft.com/office/drawing/2010/main">
-        <mc:Choice Requires="a14">
+      <mc:AlternateContent xmlns:mc="http://schemas.openxmlformats.org/markup-compatibility/2006">
+        <mc:Choice xmlns:a14="http://schemas.microsoft.com/office/drawing/2010/main" Requires="a14">
           <p:sp>
             <p:nvSpPr>
               <p:cNvPr id="6" name="TextBox 5">
@@ -28790,8 +28800,9 @@
                           <m:r>
                             <a:rPr lang="en-US" sz="2400" b="0" i="1" smtClean="0">
                               <a:latin typeface="Cambria Math" panose="02040503050406030204" pitchFamily="18" charset="0"/>
+                              <a:ea typeface="Cambria Math" panose="02040503050406030204" pitchFamily="18" charset="0"/>
                             </a:rPr>
-                            <m:t>𝐸</m:t>
+                            <m:t>𝔼</m:t>
                           </m:r>
                         </m:e>
                         <m:sub>
@@ -28891,13 +28902,13 @@
             </p:txBody>
           </p:sp>
         </mc:Choice>
-        <mc:Fallback xmlns="">
+        <mc:Fallback>
           <p:sp>
             <p:nvSpPr>
               <p:cNvPr id="6" name="TextBox 5">
                 <a:extLst>
                   <a:ext uri="{FF2B5EF4-FFF2-40B4-BE49-F238E27FC236}">
-                    <a16:creationId xmlns:a16="http://schemas.microsoft.com/office/drawing/2014/main" id="{8652AD3F-78B6-4115-E4F1-E57728A49540}"/>
+                    <a16:creationId xmlns:a16="http://schemas.microsoft.com/office/drawing/2014/main" id="{CBBEA135-CB79-55E3-374F-6759A3762A3B}"/>
                   </a:ext>
                 </a:extLst>
               </p:cNvPr>
@@ -28915,7 +28926,7 @@
                 <a:avLst/>
               </a:prstGeom>
               <a:blipFill>
-                <a:blip r:embed="rId44"/>
+                <a:blip r:embed="rId43"/>
                 <a:stretch>
                   <a:fillRect l="-353" b="-8235"/>
                 </a:stretch>
@@ -28958,7 +28969,7 @@
         </p:grpSpPr>
         <mc:AlternateContent xmlns:mc="http://schemas.openxmlformats.org/markup-compatibility/2006" xmlns:p14="http://schemas.microsoft.com/office/powerpoint/2010/main">
           <mc:Choice Requires="p14">
-            <p:contentPart p14:bwMode="auto" r:id="rId45">
+            <p:contentPart p14:bwMode="auto" r:id="rId44">
               <p14:nvContentPartPr>
                 <p14:cNvPr id="8" name="Ink 7">
                   <a:extLst>
@@ -31192,243 +31203,6 @@
           </a:p>
         </p:txBody>
       </p:sp>
-      <mc:AlternateContent xmlns:mc="http://schemas.openxmlformats.org/markup-compatibility/2006" xmlns:a14="http://schemas.microsoft.com/office/drawing/2010/main">
-        <mc:Choice Requires="a14">
-          <p:sp>
-            <p:nvSpPr>
-              <p:cNvPr id="6" name="TextBox 5">
-                <a:extLst>
-                  <a:ext uri="{FF2B5EF4-FFF2-40B4-BE49-F238E27FC236}">
-                    <a16:creationId xmlns:a16="http://schemas.microsoft.com/office/drawing/2014/main" id="{95EC92E0-920E-AD65-45FF-CBD6C0A944B9}"/>
-                  </a:ext>
-                </a:extLst>
-              </p:cNvPr>
-              <p:cNvSpPr txBox="1"/>
-              <p:nvPr/>
-            </p:nvSpPr>
-            <p:spPr>
-              <a:xfrm>
-                <a:off x="7051463" y="664011"/>
-                <a:ext cx="3435503" cy="495328"/>
-              </a:xfrm>
-              <a:prstGeom prst="rect">
-                <a:avLst/>
-              </a:prstGeom>
-            </p:spPr>
-            <p:style>
-              <a:lnRef idx="3">
-                <a:schemeClr val="lt1"/>
-              </a:lnRef>
-              <a:fillRef idx="1">
-                <a:schemeClr val="accent3"/>
-              </a:fillRef>
-              <a:effectRef idx="1">
-                <a:schemeClr val="accent3"/>
-              </a:effectRef>
-              <a:fontRef idx="minor">
-                <a:schemeClr val="lt1"/>
-              </a:fontRef>
-            </p:style>
-            <p:txBody>
-              <a:bodyPr wrap="square" rtlCol="0">
-                <a:spAutoFit/>
-              </a:bodyPr>
-              <a:lstStyle/>
-              <a:p>
-                <a:pPr/>
-                <a14:m>
-                  <m:oMathPara xmlns:m="http://schemas.openxmlformats.org/officeDocument/2006/math">
-                    <m:oMathParaPr>
-                      <m:jc m:val="left"/>
-                    </m:oMathParaPr>
-                    <m:oMath xmlns:m="http://schemas.openxmlformats.org/officeDocument/2006/math">
-                      <m:r>
-                        <a:rPr lang="en-US" sz="2400" b="0" i="1" smtClean="0">
-                          <a:latin typeface="Cambria Math" panose="02040503050406030204" pitchFamily="18" charset="0"/>
-                        </a:rPr>
-                        <m:t>𝑣𝑎𝑙𝑢𝑒</m:t>
-                      </m:r>
-                      <m:d>
-                        <m:dPr>
-                          <m:ctrlPr>
-                            <a:rPr lang="en-US" sz="2400" b="0" i="1" smtClean="0">
-                              <a:latin typeface="Cambria Math" panose="02040503050406030204" pitchFamily="18" charset="0"/>
-                            </a:rPr>
-                          </m:ctrlPr>
-                        </m:dPr>
-                        <m:e>
-                          <m:r>
-                            <a:rPr lang="en-US" sz="2400" b="0" i="1" smtClean="0">
-                              <a:latin typeface="Cambria Math" panose="02040503050406030204" pitchFamily="18" charset="0"/>
-                            </a:rPr>
-                            <m:t>𝑠</m:t>
-                          </m:r>
-                        </m:e>
-                      </m:d>
-                      <m:r>
-                        <a:rPr lang="en-US" sz="2400" b="0" i="1" smtClean="0">
-                          <a:latin typeface="Cambria Math" panose="02040503050406030204" pitchFamily="18" charset="0"/>
-                        </a:rPr>
-                        <m:t>≈</m:t>
-                      </m:r>
-                      <m:sSub>
-                        <m:sSubPr>
-                          <m:ctrlPr>
-                            <a:rPr lang="en-US" sz="2400" b="0" i="1" smtClean="0">
-                              <a:latin typeface="Cambria Math" panose="02040503050406030204" pitchFamily="18" charset="0"/>
-                            </a:rPr>
-                          </m:ctrlPr>
-                        </m:sSubPr>
-                        <m:e>
-                          <m:r>
-                            <a:rPr lang="en-US" sz="2400" b="0" i="1" smtClean="0">
-                              <a:latin typeface="Cambria Math" panose="02040503050406030204" pitchFamily="18" charset="0"/>
-                            </a:rPr>
-                            <m:t>𝐸</m:t>
-                          </m:r>
-                        </m:e>
-                        <m:sub>
-                          <m:sSub>
-                            <m:sSubPr>
-                              <m:ctrlPr>
-                                <a:rPr lang="en-US" sz="2400" b="0" i="1" smtClean="0">
-                                  <a:latin typeface="Cambria Math" panose="02040503050406030204" pitchFamily="18" charset="0"/>
-                                </a:rPr>
-                              </m:ctrlPr>
-                            </m:sSubPr>
-                            <m:e>
-                              <m:r>
-                                <a:rPr lang="en-US" sz="2400" b="0" i="1" smtClean="0">
-                                  <a:latin typeface="Cambria Math" panose="02040503050406030204" pitchFamily="18" charset="0"/>
-                                </a:rPr>
-                                <m:t>𝜋</m:t>
-                              </m:r>
-                            </m:e>
-                            <m:sub>
-                              <m:r>
-                                <a:rPr lang="en-US" sz="2400" b="0" i="1" smtClean="0">
-                                  <a:latin typeface="Cambria Math" panose="02040503050406030204" pitchFamily="18" charset="0"/>
-                                </a:rPr>
-                                <m:t>𝑥</m:t>
-                              </m:r>
-                            </m:sub>
-                          </m:sSub>
-                          <m:r>
-                            <a:rPr lang="en-US" sz="2400" b="0" i="1" smtClean="0">
-                              <a:latin typeface="Cambria Math" panose="02040503050406030204" pitchFamily="18" charset="0"/>
-                            </a:rPr>
-                            <m:t>,</m:t>
-                          </m:r>
-                          <m:sSub>
-                            <m:sSubPr>
-                              <m:ctrlPr>
-                                <a:rPr lang="en-US" sz="2400" b="0" i="1" smtClean="0">
-                                  <a:latin typeface="Cambria Math" panose="02040503050406030204" pitchFamily="18" charset="0"/>
-                                </a:rPr>
-                              </m:ctrlPr>
-                            </m:sSubPr>
-                            <m:e>
-                              <m:r>
-                                <a:rPr lang="en-US" sz="2400" b="0" i="1" smtClean="0">
-                                  <a:latin typeface="Cambria Math" panose="02040503050406030204" pitchFamily="18" charset="0"/>
-                                </a:rPr>
-                                <m:t>𝜋</m:t>
-                              </m:r>
-                            </m:e>
-                            <m:sub>
-                              <m:r>
-                                <a:rPr lang="en-US" sz="2400" b="0" i="1" smtClean="0">
-                                  <a:latin typeface="Cambria Math" panose="02040503050406030204" pitchFamily="18" charset="0"/>
-                                </a:rPr>
-                                <m:t>𝑜</m:t>
-                              </m:r>
-                            </m:sub>
-                          </m:sSub>
-                        </m:sub>
-                      </m:sSub>
-                      <m:r>
-                        <a:rPr lang="en-US" sz="2400" b="0" i="1" smtClean="0">
-                          <a:latin typeface="Cambria Math" panose="02040503050406030204" pitchFamily="18" charset="0"/>
-                        </a:rPr>
-                        <m:t>[</m:t>
-                      </m:r>
-                      <m:r>
-                        <a:rPr lang="en-US" sz="2400" b="0" i="1" smtClean="0">
-                          <a:latin typeface="Cambria Math" panose="02040503050406030204" pitchFamily="18" charset="0"/>
-                        </a:rPr>
-                        <m:t>𝑈</m:t>
-                      </m:r>
-                      <m:r>
-                        <a:rPr lang="en-US" sz="2400" b="0" i="1" smtClean="0">
-                          <a:latin typeface="Cambria Math" panose="02040503050406030204" pitchFamily="18" charset="0"/>
-                        </a:rPr>
-                        <m:t>(</m:t>
-                      </m:r>
-                      <m:r>
-                        <a:rPr lang="en-US" sz="2400" b="0" i="1" smtClean="0">
-                          <a:latin typeface="Cambria Math" panose="02040503050406030204" pitchFamily="18" charset="0"/>
-                        </a:rPr>
-                        <m:t>𝑠</m:t>
-                      </m:r>
-                      <m:r>
-                        <a:rPr lang="en-US" sz="2400" b="0" i="1" smtClean="0">
-                          <a:latin typeface="Cambria Math" panose="02040503050406030204" pitchFamily="18" charset="0"/>
-                        </a:rPr>
-                        <m:t>)]</m:t>
-                      </m:r>
-                    </m:oMath>
-                  </m:oMathPara>
-                </a14:m>
-                <a:endParaRPr lang="en-US" sz="2800" dirty="0"/>
-              </a:p>
-            </p:txBody>
-          </p:sp>
-        </mc:Choice>
-        <mc:Fallback xmlns="">
-          <p:sp>
-            <p:nvSpPr>
-              <p:cNvPr id="6" name="TextBox 5">
-                <a:extLst>
-                  <a:ext uri="{FF2B5EF4-FFF2-40B4-BE49-F238E27FC236}">
-                    <a16:creationId xmlns:a16="http://schemas.microsoft.com/office/drawing/2014/main" id="{8652AD3F-78B6-4115-E4F1-E57728A49540}"/>
-                  </a:ext>
-                </a:extLst>
-              </p:cNvPr>
-              <p:cNvSpPr txBox="1">
-                <a:spLocks noRot="1" noChangeAspect="1" noMove="1" noResize="1" noEditPoints="1" noAdjustHandles="1" noChangeArrowheads="1" noChangeShapeType="1" noTextEdit="1"/>
-              </p:cNvSpPr>
-              <p:nvPr/>
-            </p:nvSpPr>
-            <p:spPr>
-              <a:xfrm>
-                <a:off x="7051463" y="664011"/>
-                <a:ext cx="3435503" cy="495328"/>
-              </a:xfrm>
-              <a:prstGeom prst="rect">
-                <a:avLst/>
-              </a:prstGeom>
-              <a:blipFill>
-                <a:blip r:embed="rId44"/>
-                <a:stretch>
-                  <a:fillRect l="-353" b="-8235"/>
-                </a:stretch>
-              </a:blipFill>
-            </p:spPr>
-            <p:txBody>
-              <a:bodyPr/>
-              <a:lstStyle/>
-              <a:p>
-                <a:r>
-                  <a:rPr lang="en-US">
-                    <a:noFill/>
-                  </a:rPr>
-                  <a:t> </a:t>
-                </a:r>
-              </a:p>
-            </p:txBody>
-          </p:sp>
-        </mc:Fallback>
-      </mc:AlternateContent>
       <p:grpSp>
         <p:nvGrpSpPr>
           <p:cNvPr id="14" name="Group 13">
@@ -34105,6 +33879,244 @@
           </a:p>
         </p:txBody>
       </p:sp>
+      <mc:AlternateContent xmlns:mc="http://schemas.openxmlformats.org/markup-compatibility/2006">
+        <mc:Choice xmlns:a14="http://schemas.microsoft.com/office/drawing/2010/main" Requires="a14">
+          <p:sp>
+            <p:nvSpPr>
+              <p:cNvPr id="8" name="TextBox 7">
+                <a:extLst>
+                  <a:ext uri="{FF2B5EF4-FFF2-40B4-BE49-F238E27FC236}">
+                    <a16:creationId xmlns:a16="http://schemas.microsoft.com/office/drawing/2014/main" id="{C1C24E84-B757-40F1-A291-AB0086857931}"/>
+                  </a:ext>
+                </a:extLst>
+              </p:cNvPr>
+              <p:cNvSpPr txBox="1"/>
+              <p:nvPr/>
+            </p:nvSpPr>
+            <p:spPr>
+              <a:xfrm>
+                <a:off x="7203863" y="530224"/>
+                <a:ext cx="3435503" cy="495328"/>
+              </a:xfrm>
+              <a:prstGeom prst="rect">
+                <a:avLst/>
+              </a:prstGeom>
+            </p:spPr>
+            <p:style>
+              <a:lnRef idx="3">
+                <a:schemeClr val="lt1"/>
+              </a:lnRef>
+              <a:fillRef idx="1">
+                <a:schemeClr val="accent3"/>
+              </a:fillRef>
+              <a:effectRef idx="1">
+                <a:schemeClr val="accent3"/>
+              </a:effectRef>
+              <a:fontRef idx="minor">
+                <a:schemeClr val="lt1"/>
+              </a:fontRef>
+            </p:style>
+            <p:txBody>
+              <a:bodyPr wrap="square" rtlCol="0">
+                <a:spAutoFit/>
+              </a:bodyPr>
+              <a:lstStyle/>
+              <a:p>
+                <a:pPr/>
+                <a14:m>
+                  <m:oMathPara xmlns:m="http://schemas.openxmlformats.org/officeDocument/2006/math">
+                    <m:oMathParaPr>
+                      <m:jc m:val="left"/>
+                    </m:oMathParaPr>
+                    <m:oMath xmlns:m="http://schemas.openxmlformats.org/officeDocument/2006/math">
+                      <m:r>
+                        <a:rPr lang="en-US" sz="2400" b="0" i="1" smtClean="0">
+                          <a:latin typeface="Cambria Math" panose="02040503050406030204" pitchFamily="18" charset="0"/>
+                        </a:rPr>
+                        <m:t>𝑣𝑎𝑙𝑢𝑒</m:t>
+                      </m:r>
+                      <m:d>
+                        <m:dPr>
+                          <m:ctrlPr>
+                            <a:rPr lang="en-US" sz="2400" b="0" i="1" smtClean="0">
+                              <a:latin typeface="Cambria Math" panose="02040503050406030204" pitchFamily="18" charset="0"/>
+                            </a:rPr>
+                          </m:ctrlPr>
+                        </m:dPr>
+                        <m:e>
+                          <m:r>
+                            <a:rPr lang="en-US" sz="2400" b="0" i="1" smtClean="0">
+                              <a:latin typeface="Cambria Math" panose="02040503050406030204" pitchFamily="18" charset="0"/>
+                            </a:rPr>
+                            <m:t>𝑠</m:t>
+                          </m:r>
+                        </m:e>
+                      </m:d>
+                      <m:r>
+                        <a:rPr lang="en-US" sz="2400" b="0" i="1" smtClean="0">
+                          <a:latin typeface="Cambria Math" panose="02040503050406030204" pitchFamily="18" charset="0"/>
+                        </a:rPr>
+                        <m:t>≈</m:t>
+                      </m:r>
+                      <m:sSub>
+                        <m:sSubPr>
+                          <m:ctrlPr>
+                            <a:rPr lang="en-US" sz="2400" b="0" i="1" smtClean="0">
+                              <a:latin typeface="Cambria Math" panose="02040503050406030204" pitchFamily="18" charset="0"/>
+                            </a:rPr>
+                          </m:ctrlPr>
+                        </m:sSubPr>
+                        <m:e>
+                          <m:r>
+                            <a:rPr lang="en-US" sz="2400" b="0" i="1" smtClean="0">
+                              <a:latin typeface="Cambria Math" panose="02040503050406030204" pitchFamily="18" charset="0"/>
+                              <a:ea typeface="Cambria Math" panose="02040503050406030204" pitchFamily="18" charset="0"/>
+                            </a:rPr>
+                            <m:t>𝔼</m:t>
+                          </m:r>
+                        </m:e>
+                        <m:sub>
+                          <m:sSub>
+                            <m:sSubPr>
+                              <m:ctrlPr>
+                                <a:rPr lang="en-US" sz="2400" b="0" i="1" smtClean="0">
+                                  <a:latin typeface="Cambria Math" panose="02040503050406030204" pitchFamily="18" charset="0"/>
+                                </a:rPr>
+                              </m:ctrlPr>
+                            </m:sSubPr>
+                            <m:e>
+                              <m:r>
+                                <a:rPr lang="en-US" sz="2400" b="0" i="1" smtClean="0">
+                                  <a:latin typeface="Cambria Math" panose="02040503050406030204" pitchFamily="18" charset="0"/>
+                                </a:rPr>
+                                <m:t>𝜋</m:t>
+                              </m:r>
+                            </m:e>
+                            <m:sub>
+                              <m:r>
+                                <a:rPr lang="en-US" sz="2400" b="0" i="1" smtClean="0">
+                                  <a:latin typeface="Cambria Math" panose="02040503050406030204" pitchFamily="18" charset="0"/>
+                                </a:rPr>
+                                <m:t>𝑥</m:t>
+                              </m:r>
+                            </m:sub>
+                          </m:sSub>
+                          <m:r>
+                            <a:rPr lang="en-US" sz="2400" b="0" i="1" smtClean="0">
+                              <a:latin typeface="Cambria Math" panose="02040503050406030204" pitchFamily="18" charset="0"/>
+                            </a:rPr>
+                            <m:t>,</m:t>
+                          </m:r>
+                          <m:sSub>
+                            <m:sSubPr>
+                              <m:ctrlPr>
+                                <a:rPr lang="en-US" sz="2400" b="0" i="1" smtClean="0">
+                                  <a:latin typeface="Cambria Math" panose="02040503050406030204" pitchFamily="18" charset="0"/>
+                                </a:rPr>
+                              </m:ctrlPr>
+                            </m:sSubPr>
+                            <m:e>
+                              <m:r>
+                                <a:rPr lang="en-US" sz="2400" b="0" i="1" smtClean="0">
+                                  <a:latin typeface="Cambria Math" panose="02040503050406030204" pitchFamily="18" charset="0"/>
+                                </a:rPr>
+                                <m:t>𝜋</m:t>
+                              </m:r>
+                            </m:e>
+                            <m:sub>
+                              <m:r>
+                                <a:rPr lang="en-US" sz="2400" b="0" i="1" smtClean="0">
+                                  <a:latin typeface="Cambria Math" panose="02040503050406030204" pitchFamily="18" charset="0"/>
+                                </a:rPr>
+                                <m:t>𝑜</m:t>
+                              </m:r>
+                            </m:sub>
+                          </m:sSub>
+                        </m:sub>
+                      </m:sSub>
+                      <m:r>
+                        <a:rPr lang="en-US" sz="2400" b="0" i="1" smtClean="0">
+                          <a:latin typeface="Cambria Math" panose="02040503050406030204" pitchFamily="18" charset="0"/>
+                        </a:rPr>
+                        <m:t>[</m:t>
+                      </m:r>
+                      <m:r>
+                        <a:rPr lang="en-US" sz="2400" b="0" i="1" smtClean="0">
+                          <a:latin typeface="Cambria Math" panose="02040503050406030204" pitchFamily="18" charset="0"/>
+                        </a:rPr>
+                        <m:t>𝑈</m:t>
+                      </m:r>
+                      <m:r>
+                        <a:rPr lang="en-US" sz="2400" b="0" i="1" smtClean="0">
+                          <a:latin typeface="Cambria Math" panose="02040503050406030204" pitchFamily="18" charset="0"/>
+                        </a:rPr>
+                        <m:t>(</m:t>
+                      </m:r>
+                      <m:r>
+                        <a:rPr lang="en-US" sz="2400" b="0" i="1" smtClean="0">
+                          <a:latin typeface="Cambria Math" panose="02040503050406030204" pitchFamily="18" charset="0"/>
+                        </a:rPr>
+                        <m:t>𝑠</m:t>
+                      </m:r>
+                      <m:r>
+                        <a:rPr lang="en-US" sz="2400" b="0" i="1" smtClean="0">
+                          <a:latin typeface="Cambria Math" panose="02040503050406030204" pitchFamily="18" charset="0"/>
+                        </a:rPr>
+                        <m:t>)]</m:t>
+                      </m:r>
+                    </m:oMath>
+                  </m:oMathPara>
+                </a14:m>
+                <a:endParaRPr lang="en-US" sz="2800" dirty="0"/>
+              </a:p>
+            </p:txBody>
+          </p:sp>
+        </mc:Choice>
+        <mc:Fallback>
+          <p:sp>
+            <p:nvSpPr>
+              <p:cNvPr id="8" name="TextBox 7">
+                <a:extLst>
+                  <a:ext uri="{FF2B5EF4-FFF2-40B4-BE49-F238E27FC236}">
+                    <a16:creationId xmlns:a16="http://schemas.microsoft.com/office/drawing/2014/main" id="{C1C24E84-B757-40F1-A291-AB0086857931}"/>
+                  </a:ext>
+                </a:extLst>
+              </p:cNvPr>
+              <p:cNvSpPr txBox="1">
+                <a:spLocks noRot="1" noChangeAspect="1" noMove="1" noResize="1" noEditPoints="1" noAdjustHandles="1" noChangeArrowheads="1" noChangeShapeType="1" noTextEdit="1"/>
+              </p:cNvSpPr>
+              <p:nvPr/>
+            </p:nvSpPr>
+            <p:spPr>
+              <a:xfrm>
+                <a:off x="7203863" y="530224"/>
+                <a:ext cx="3435503" cy="495328"/>
+              </a:xfrm>
+              <a:prstGeom prst="rect">
+                <a:avLst/>
+              </a:prstGeom>
+              <a:blipFill>
+                <a:blip r:embed="rId71"/>
+                <a:stretch>
+                  <a:fillRect l="-353" b="-8235"/>
+                </a:stretch>
+              </a:blipFill>
+            </p:spPr>
+            <p:txBody>
+              <a:bodyPr/>
+              <a:lstStyle/>
+              <a:p>
+                <a:r>
+                  <a:rPr lang="en-US">
+                    <a:noFill/>
+                  </a:rPr>
+                  <a:t> </a:t>
+                </a:r>
+              </a:p>
+            </p:txBody>
+          </p:sp>
+        </mc:Fallback>
+      </mc:AlternateContent>
     </p:spTree>
     <p:extLst>
       <p:ext uri="{BB962C8B-B14F-4D97-AF65-F5344CB8AC3E}">
